--- a/report & presentation/puccini_sentiment.pptx
+++ b/report & presentation/puccini_sentiment.pptx
@@ -16643,7 +16643,7 @@
           <a:p>
             <a:fld id="{51920B4D-64C4-DE4D-9BAD-6D7061CB2997}" type="datetimeFigureOut">
               <a:rPr lang="en-GB" smtClean="0"/>
-              <a:t>18/01/2022</a:t>
+              <a:t>19/01/2022</a:t>
             </a:fld>
             <a:endParaRPr lang="en-GB"/>
           </a:p>
@@ -17043,7 +17043,7 @@
             <a:pPr algn="r"/>
             <a:fld id="{442E437B-B623-FF49-9C39-B596529CB901}" type="datetime1">
               <a:rPr lang="it-IT" smtClean="0"/>
-              <a:t>18/01/22</a:t>
+              <a:t>19/01/22</a:t>
             </a:fld>
             <a:endParaRPr lang="en-US" dirty="0"/>
           </a:p>
@@ -17219,7 +17219,7 @@
             <a:pPr algn="r"/>
             <a:fld id="{0ACBD11C-B599-1742-8490-4FF5CB7E956C}" type="datetime1">
               <a:rPr lang="it-IT" smtClean="0"/>
-              <a:t>18/01/22</a:t>
+              <a:t>19/01/22</a:t>
             </a:fld>
             <a:endParaRPr lang="en-US" dirty="0"/>
           </a:p>
@@ -17405,7 +17405,7 @@
             <a:pPr algn="r"/>
             <a:fld id="{961BB42F-0CC6-F244-8284-00B249ECEF29}" type="datetime1">
               <a:rPr lang="it-IT" smtClean="0"/>
-              <a:t>18/01/22</a:t>
+              <a:t>19/01/22</a:t>
             </a:fld>
             <a:endParaRPr lang="en-US" dirty="0"/>
           </a:p>
@@ -17581,7 +17581,7 @@
             <a:pPr algn="r"/>
             <a:fld id="{0BFECF64-F90C-1B4D-BF61-C9135C51FFB6}" type="datetime1">
               <a:rPr lang="it-IT" smtClean="0"/>
-              <a:t>18/01/22</a:t>
+              <a:t>19/01/22</a:t>
             </a:fld>
             <a:endParaRPr lang="en-US" dirty="0"/>
           </a:p>
@@ -17833,7 +17833,7 @@
             <a:pPr algn="r"/>
             <a:fld id="{583AE806-B56D-8A49-8E1E-57F598BB5926}" type="datetime1">
               <a:rPr lang="it-IT" smtClean="0"/>
-              <a:t>18/01/22</a:t>
+              <a:t>19/01/22</a:t>
             </a:fld>
             <a:endParaRPr lang="en-US" dirty="0"/>
           </a:p>
@@ -18071,7 +18071,7 @@
             <a:pPr algn="r"/>
             <a:fld id="{9F052FF0-8A19-634E-8804-F449BFBAD093}" type="datetime1">
               <a:rPr lang="it-IT" smtClean="0"/>
-              <a:t>18/01/22</a:t>
+              <a:t>19/01/22</a:t>
             </a:fld>
             <a:endParaRPr lang="en-US" dirty="0"/>
           </a:p>
@@ -18444,7 +18444,7 @@
             <a:pPr algn="r"/>
             <a:fld id="{5A50FB01-EFA8-8E4D-851F-CE6F036C811D}" type="datetime1">
               <a:rPr lang="it-IT" smtClean="0"/>
-              <a:t>18/01/22</a:t>
+              <a:t>19/01/22</a:t>
             </a:fld>
             <a:endParaRPr lang="en-US" dirty="0"/>
           </a:p>
@@ -18568,7 +18568,7 @@
             <a:pPr algn="r"/>
             <a:fld id="{FEB2F88E-3405-E64C-969F-77F1EFFAD929}" type="datetime1">
               <a:rPr lang="it-IT" smtClean="0"/>
-              <a:t>18/01/22</a:t>
+              <a:t>19/01/22</a:t>
             </a:fld>
             <a:endParaRPr lang="en-US" dirty="0"/>
           </a:p>
@@ -18669,7 +18669,7 @@
             <a:pPr algn="r"/>
             <a:fld id="{66492C49-0924-6A49-844A-393D430B6FEE}" type="datetime1">
               <a:rPr lang="it-IT" smtClean="0"/>
-              <a:t>18/01/22</a:t>
+              <a:t>19/01/22</a:t>
             </a:fld>
             <a:endParaRPr lang="en-US" dirty="0"/>
           </a:p>
@@ -18952,7 +18952,7 @@
             <a:pPr algn="r"/>
             <a:fld id="{CC1A3522-BC96-544D-A564-D0242F209995}" type="datetime1">
               <a:rPr lang="it-IT" smtClean="0"/>
-              <a:t>18/01/22</a:t>
+              <a:t>19/01/22</a:t>
             </a:fld>
             <a:endParaRPr lang="en-US" dirty="0"/>
           </a:p>
@@ -19215,7 +19215,7 @@
             <a:pPr algn="r"/>
             <a:fld id="{DF5FA03A-90C3-EF46-B662-BC0BABECDF2C}" type="datetime1">
               <a:rPr lang="it-IT" smtClean="0"/>
-              <a:t>18/01/22</a:t>
+              <a:t>19/01/22</a:t>
             </a:fld>
             <a:endParaRPr lang="en-US" dirty="0"/>
           </a:p>
@@ -19434,7 +19434,7 @@
             <a:pPr algn="r"/>
             <a:fld id="{420AFE3F-7082-E64F-8D7F-4572EF0DD251}" type="datetime1">
               <a:rPr lang="it-IT" smtClean="0"/>
-              <a:t>18/01/22</a:t>
+              <a:t>19/01/22</a:t>
             </a:fld>
             <a:endParaRPr lang="en-US" dirty="0"/>
           </a:p>
@@ -27069,13 +27069,13 @@
   <p:clrMapOvr>
     <a:masterClrMapping/>
   </p:clrMapOvr>
-  <mc:AlternateContent xmlns:mc="http://schemas.openxmlformats.org/markup-compatibility/2006">
-    <mc:Choice xmlns:p159="http://schemas.microsoft.com/office/powerpoint/2015/09/main" Requires="p159">
+  <mc:AlternateContent xmlns:mc="http://schemas.openxmlformats.org/markup-compatibility/2006" xmlns:p159="http://schemas.microsoft.com/office/powerpoint/2015/09/main">
+    <mc:Choice Requires="p159">
       <p:transition xmlns:p14="http://schemas.microsoft.com/office/powerpoint/2010/main" spd="slow" p14:dur="2000">
         <p159:morph option="byObject"/>
       </p:transition>
     </mc:Choice>
-    <mc:Fallback>
+    <mc:Fallback xmlns="">
       <p:transition spd="slow">
         <p:fade/>
       </p:transition>
@@ -28093,13 +28093,13 @@
   <p:clrMapOvr>
     <a:masterClrMapping/>
   </p:clrMapOvr>
-  <mc:AlternateContent xmlns:mc="http://schemas.openxmlformats.org/markup-compatibility/2006">
-    <mc:Choice xmlns:p159="http://schemas.microsoft.com/office/powerpoint/2015/09/main" Requires="p159">
+  <mc:AlternateContent xmlns:mc="http://schemas.openxmlformats.org/markup-compatibility/2006" xmlns:p159="http://schemas.microsoft.com/office/powerpoint/2015/09/main">
+    <mc:Choice Requires="p159">
       <p:transition xmlns:p14="http://schemas.microsoft.com/office/powerpoint/2010/main" spd="slow" p14:dur="2000">
         <p159:morph option="byObject"/>
       </p:transition>
     </mc:Choice>
-    <mc:Fallback>
+    <mc:Fallback xmlns="">
       <p:transition spd="slow">
         <p:fade/>
       </p:transition>
@@ -29248,13 +29248,13 @@
   <p:clrMapOvr>
     <a:masterClrMapping/>
   </p:clrMapOvr>
-  <mc:AlternateContent xmlns:mc="http://schemas.openxmlformats.org/markup-compatibility/2006">
-    <mc:Choice xmlns:p159="http://schemas.microsoft.com/office/powerpoint/2015/09/main" Requires="p159">
+  <mc:AlternateContent xmlns:mc="http://schemas.openxmlformats.org/markup-compatibility/2006" xmlns:p159="http://schemas.microsoft.com/office/powerpoint/2015/09/main">
+    <mc:Choice Requires="p159">
       <p:transition xmlns:p14="http://schemas.microsoft.com/office/powerpoint/2010/main" spd="slow" p14:dur="2000">
         <p159:morph option="byObject"/>
       </p:transition>
     </mc:Choice>
-    <mc:Fallback>
+    <mc:Fallback xmlns="">
       <p:transition spd="slow">
         <p:fade/>
       </p:transition>
@@ -30276,13 +30276,13 @@
   <p:clrMapOvr>
     <a:masterClrMapping/>
   </p:clrMapOvr>
-  <mc:AlternateContent xmlns:mc="http://schemas.openxmlformats.org/markup-compatibility/2006">
-    <mc:Choice xmlns:p159="http://schemas.microsoft.com/office/powerpoint/2015/09/main" Requires="p159">
+  <mc:AlternateContent xmlns:mc="http://schemas.openxmlformats.org/markup-compatibility/2006" xmlns:p159="http://schemas.microsoft.com/office/powerpoint/2015/09/main">
+    <mc:Choice Requires="p159">
       <p:transition xmlns:p14="http://schemas.microsoft.com/office/powerpoint/2010/main" spd="slow" p14:dur="2000">
         <p159:morph option="byObject"/>
       </p:transition>
     </mc:Choice>
-    <mc:Fallback>
+    <mc:Fallback xmlns="">
       <p:transition spd="slow">
         <p:fade/>
       </p:transition>
@@ -34045,7 +34045,15 @@
             </a:pPr>
             <a:r>
               <a:rPr lang="it-IT" dirty="0"/>
-              <a:t>7000 esempi di training, 400 esempi di test</a:t>
+              <a:t>7000 esempi di training</a:t>
+            </a:r>
+            <a:r>
+              <a:rPr lang="it-IT"/>
+              <a:t>, 4000 </a:t>
+            </a:r>
+            <a:r>
+              <a:rPr lang="it-IT" dirty="0"/>
+              <a:t>esempi di test</a:t>
             </a:r>
           </a:p>
           <a:p>
